--- a/latex/figures/ivsc_3cmtct_sm_full.pptx
+++ b/latex/figures/ivsc_3cmtct_sm_full.pptx
@@ -3131,8 +3131,9 @@
             <a:avLst/>
           </a:prstGeom>
           <a:solidFill>
-            <a:schemeClr val="bg1">
-              <a:lumMod val="75000"/>
+            <a:schemeClr val="accent1">
+              <a:lumMod val="60000"/>
+              <a:lumOff val="40000"/>
             </a:schemeClr>
           </a:solidFill>
           <a:ln w="12700" cmpd="sng">
@@ -3209,6 +3210,118 @@
         <p:spPr>
           <a:xfrm>
             <a:off x="2843597" y="3912427"/>
+            <a:ext cx="747596" cy="747596"/>
+          </a:xfrm>
+          <a:prstGeom prst="rect">
+            <a:avLst/>
+          </a:prstGeom>
+          <a:solidFill>
+            <a:schemeClr val="accent1">
+              <a:lumMod val="60000"/>
+              <a:lumOff val="40000"/>
+            </a:schemeClr>
+          </a:solidFill>
+          <a:ln w="12700" cmpd="sng">
+            <a:noFill/>
+          </a:ln>
+          <a:effectLst/>
+        </p:spPr>
+        <p:style>
+          <a:lnRef idx="2">
+            <a:schemeClr val="accent1"/>
+          </a:lnRef>
+          <a:fillRef idx="0">
+            <a:schemeClr val="accent1"/>
+          </a:fillRef>
+          <a:effectRef idx="1">
+            <a:schemeClr val="accent1"/>
+          </a:effectRef>
+          <a:fontRef idx="minor">
+            <a:schemeClr val="tx1"/>
+          </a:fontRef>
+        </p:style>
+        <p:txBody>
+          <a:bodyPr lIns="0" tIns="0" rIns="0" bIns="0" rtlCol="0" anchor="ctr"/>
+          <a:lstStyle/>
+          <a:p>
+            <a:pPr algn="ctr"/>
+            <a:r>
+              <a:rPr lang="en-US" sz="3200" dirty="0" smtClean="0"/>
+              <a:t>S</a:t>
+            </a:r>
+            <a:r>
+              <a:rPr lang="en-US" sz="3200" baseline="-25000" dirty="0" smtClean="0"/>
+              <a:t>1</a:t>
+            </a:r>
+            <a:endParaRPr lang="en-US" sz="3200" baseline="-25000" dirty="0"/>
+          </a:p>
+        </p:txBody>
+      </p:sp>
+      <p:sp>
+        <p:nvSpPr>
+          <p:cNvPr id="84" name="Rectangle 83"/>
+          <p:cNvSpPr/>
+          <p:nvPr/>
+        </p:nvSpPr>
+        <p:spPr>
+          <a:xfrm>
+            <a:off x="4446655" y="3912427"/>
+            <a:ext cx="747596" cy="747596"/>
+          </a:xfrm>
+          <a:prstGeom prst="rect">
+            <a:avLst/>
+          </a:prstGeom>
+          <a:solidFill>
+            <a:schemeClr val="accent1">
+              <a:lumMod val="60000"/>
+              <a:lumOff val="40000"/>
+            </a:schemeClr>
+          </a:solidFill>
+          <a:ln w="12700" cmpd="sng">
+            <a:noFill/>
+          </a:ln>
+          <a:effectLst/>
+        </p:spPr>
+        <p:style>
+          <a:lnRef idx="2">
+            <a:schemeClr val="accent1"/>
+          </a:lnRef>
+          <a:fillRef idx="0">
+            <a:schemeClr val="accent1"/>
+          </a:fillRef>
+          <a:effectRef idx="1">
+            <a:schemeClr val="accent1"/>
+          </a:effectRef>
+          <a:fontRef idx="minor">
+            <a:schemeClr val="tx1"/>
+          </a:fontRef>
+        </p:style>
+        <p:txBody>
+          <a:bodyPr lIns="0" tIns="0" rIns="0" bIns="0" rtlCol="0" anchor="ctr"/>
+          <a:lstStyle/>
+          <a:p>
+            <a:pPr algn="ctr"/>
+            <a:r>
+              <a:rPr lang="en-US" sz="3200" dirty="0" smtClean="0"/>
+              <a:t>DS</a:t>
+            </a:r>
+            <a:r>
+              <a:rPr lang="en-US" sz="3200" baseline="-25000" dirty="0" smtClean="0"/>
+              <a:t>1</a:t>
+            </a:r>
+            <a:endParaRPr lang="en-US" sz="3200" baseline="-25000" dirty="0"/>
+          </a:p>
+        </p:txBody>
+      </p:sp>
+      <p:sp>
+        <p:nvSpPr>
+          <p:cNvPr id="85" name="Rectangle 84"/>
+          <p:cNvSpPr/>
+          <p:nvPr/>
+        </p:nvSpPr>
+        <p:spPr>
+          <a:xfrm>
+            <a:off x="1521869" y="6640253"/>
             <a:ext cx="747596" cy="747596"/>
           </a:xfrm>
           <a:prstGeom prst="rect">
@@ -3245,26 +3358,367 @@
             <a:pPr algn="ctr"/>
             <a:r>
               <a:rPr lang="en-US" sz="3200" dirty="0" smtClean="0"/>
-              <a:t>S</a:t>
+              <a:t>D</a:t>
             </a:r>
             <a:r>
               <a:rPr lang="en-US" sz="3200" baseline="-25000" dirty="0" smtClean="0"/>
-              <a:t>1</a:t>
-            </a:r>
-            <a:endParaRPr lang="en-US" sz="3200" baseline="-25000" dirty="0"/>
-          </a:p>
-        </p:txBody>
-      </p:sp>
-      <p:sp>
-        <p:nvSpPr>
-          <p:cNvPr id="84" name="Rectangle 83"/>
+              <a:t>2</a:t>
+            </a:r>
+            <a:endParaRPr lang="en-US" sz="3200" dirty="0"/>
+          </a:p>
+        </p:txBody>
+      </p:sp>
+      <p:sp>
+        <p:nvSpPr>
+          <p:cNvPr id="86" name="TextBox 85"/>
+          <p:cNvSpPr txBox="1"/>
+          <p:nvPr/>
+        </p:nvSpPr>
+        <p:spPr>
+          <a:xfrm>
+            <a:off x="3728202" y="3981631"/>
+            <a:ext cx="615394" cy="492444"/>
+          </a:xfrm>
+          <a:prstGeom prst="rect">
+            <a:avLst/>
+          </a:prstGeom>
+          <a:noFill/>
+        </p:spPr>
+        <p:txBody>
+          <a:bodyPr wrap="square" lIns="0" tIns="0" rIns="0" bIns="0" rtlCol="0">
+            <a:spAutoFit/>
+          </a:bodyPr>
+          <a:lstStyle/>
+          <a:p>
+            <a:pPr algn="ctr"/>
+            <a:r>
+              <a:rPr lang="en-US" sz="1600" dirty="0" smtClean="0"/>
+              <a:t>k</a:t>
+            </a:r>
+            <a:r>
+              <a:rPr lang="en-US" sz="1600" baseline="-25000" dirty="0" smtClean="0"/>
+              <a:t>on1</a:t>
+            </a:r>
+            <a:endParaRPr lang="en-US" sz="1600" baseline="-25000" dirty="0"/>
+          </a:p>
+          <a:p>
+            <a:pPr algn="ctr"/>
+            <a:r>
+              <a:rPr lang="en-US" sz="1600" dirty="0" smtClean="0"/>
+              <a:t>k</a:t>
+            </a:r>
+            <a:r>
+              <a:rPr lang="en-US" sz="1600" baseline="-25000" dirty="0" smtClean="0"/>
+              <a:t>off1</a:t>
+            </a:r>
+            <a:endParaRPr lang="en-US" sz="1600" baseline="-25000" dirty="0"/>
+          </a:p>
+        </p:txBody>
+      </p:sp>
+      <p:cxnSp>
+        <p:nvCxnSpPr>
+          <p:cNvPr id="87" name="Straight Arrow Connector 86"/>
+          <p:cNvCxnSpPr/>
+          <p:nvPr/>
+        </p:nvCxnSpPr>
+        <p:spPr>
+          <a:xfrm>
+            <a:off x="3675406" y="4257947"/>
+            <a:ext cx="685168" cy="0"/>
+          </a:xfrm>
+          <a:prstGeom prst="straightConnector1">
+            <a:avLst/>
+          </a:prstGeom>
+          <a:ln w="6350" cmpd="sng">
+            <a:solidFill>
+              <a:schemeClr val="tx1"/>
+            </a:solidFill>
+            <a:headEnd type="triangle" w="sm" len="sm"/>
+            <a:tailEnd type="triangle" w="sm" len="sm"/>
+          </a:ln>
+          <a:effectLst/>
+        </p:spPr>
+        <p:style>
+          <a:lnRef idx="2">
+            <a:schemeClr val="accent1"/>
+          </a:lnRef>
+          <a:fillRef idx="0">
+            <a:schemeClr val="accent1"/>
+          </a:fillRef>
+          <a:effectRef idx="1">
+            <a:schemeClr val="accent1"/>
+          </a:effectRef>
+          <a:fontRef idx="minor">
+            <a:schemeClr val="tx1"/>
+          </a:fontRef>
+        </p:style>
+      </p:cxnSp>
+      <p:sp>
+        <p:nvSpPr>
+          <p:cNvPr id="89" name="TextBox 88"/>
+          <p:cNvSpPr txBox="1"/>
+          <p:nvPr/>
+        </p:nvSpPr>
+        <p:spPr>
+          <a:xfrm>
+            <a:off x="2012407" y="5518724"/>
+            <a:ext cx="657532" cy="246221"/>
+          </a:xfrm>
+          <a:prstGeom prst="rect">
+            <a:avLst/>
+          </a:prstGeom>
+          <a:noFill/>
+        </p:spPr>
+        <p:txBody>
+          <a:bodyPr wrap="square" lIns="0" tIns="0" rIns="0" bIns="0" rtlCol="0">
+            <a:spAutoFit/>
+          </a:bodyPr>
+          <a:lstStyle/>
+          <a:p>
+            <a:r>
+              <a:rPr lang="en-US" sz="1600" dirty="0" smtClean="0"/>
+              <a:t>k</a:t>
+            </a:r>
+            <a:r>
+              <a:rPr lang="en-US" sz="1600" baseline="-25000" dirty="0" smtClean="0"/>
+              <a:t>eD1</a:t>
+            </a:r>
+            <a:endParaRPr lang="en-US" sz="1600" baseline="-25000" dirty="0"/>
+          </a:p>
+        </p:txBody>
+      </p:sp>
+      <p:sp>
+        <p:nvSpPr>
+          <p:cNvPr id="90" name="TextBox 89"/>
+          <p:cNvSpPr txBox="1"/>
+          <p:nvPr/>
+        </p:nvSpPr>
+        <p:spPr>
+          <a:xfrm>
+            <a:off x="1499250" y="5829638"/>
+            <a:ext cx="403237" cy="492444"/>
+          </a:xfrm>
+          <a:prstGeom prst="rect">
+            <a:avLst/>
+          </a:prstGeom>
+          <a:noFill/>
+        </p:spPr>
+        <p:txBody>
+          <a:bodyPr wrap="square" lIns="0" tIns="0" rIns="0" bIns="0" rtlCol="0">
+            <a:spAutoFit/>
+          </a:bodyPr>
+          <a:lstStyle/>
+          <a:p>
+            <a:r>
+              <a:rPr lang="en-US" sz="1600" dirty="0"/>
+              <a:t>k</a:t>
+            </a:r>
+            <a:r>
+              <a:rPr lang="en-US" sz="1600" baseline="-25000" dirty="0"/>
+              <a:t>12D</a:t>
+            </a:r>
+          </a:p>
+          <a:p>
+            <a:r>
+              <a:rPr lang="en-US" sz="1600" dirty="0"/>
+              <a:t>k</a:t>
+            </a:r>
+            <a:r>
+              <a:rPr lang="en-US" sz="1600" baseline="-25000" dirty="0"/>
+              <a:t>21D</a:t>
+            </a:r>
+          </a:p>
+        </p:txBody>
+      </p:sp>
+      <p:sp>
+        <p:nvSpPr>
+          <p:cNvPr id="91" name="TextBox 90"/>
+          <p:cNvSpPr txBox="1"/>
+          <p:nvPr/>
+        </p:nvSpPr>
+        <p:spPr>
+          <a:xfrm>
+            <a:off x="-856525" y="5271372"/>
+            <a:ext cx="657532" cy="246221"/>
+          </a:xfrm>
+          <a:prstGeom prst="rect">
+            <a:avLst/>
+          </a:prstGeom>
+          <a:noFill/>
+        </p:spPr>
+        <p:txBody>
+          <a:bodyPr wrap="square" lIns="0" tIns="0" rIns="0" bIns="0" rtlCol="0">
+            <a:spAutoFit/>
+          </a:bodyPr>
+          <a:lstStyle/>
+          <a:p>
+            <a:r>
+              <a:rPr lang="en-US" sz="1600" dirty="0"/>
+              <a:t>F, k</a:t>
+            </a:r>
+            <a:r>
+              <a:rPr lang="en-US" sz="1600" baseline="-25000" dirty="0"/>
+              <a:t>a</a:t>
+            </a:r>
+          </a:p>
+        </p:txBody>
+      </p:sp>
+      <p:sp>
+        <p:nvSpPr>
+          <p:cNvPr id="92" name="TextBox 91"/>
+          <p:cNvSpPr txBox="1"/>
+          <p:nvPr/>
+        </p:nvSpPr>
+        <p:spPr>
+          <a:xfrm>
+            <a:off x="188070" y="4844335"/>
+            <a:ext cx="649217" cy="276999"/>
+          </a:xfrm>
+          <a:prstGeom prst="rect">
+            <a:avLst/>
+          </a:prstGeom>
+          <a:noFill/>
+        </p:spPr>
+        <p:txBody>
+          <a:bodyPr wrap="none" lIns="0" tIns="0" rIns="0" bIns="0" rtlCol="0">
+            <a:spAutoFit/>
+          </a:bodyPr>
+          <a:lstStyle/>
+          <a:p>
+            <a:pPr algn="ctr"/>
+            <a:r>
+              <a:rPr lang="en-US" sz="1800" dirty="0" smtClean="0"/>
+              <a:t>Dose</a:t>
+            </a:r>
+            <a:r>
+              <a:rPr lang="en-US" sz="1800" baseline="-25000" dirty="0" smtClean="0"/>
+              <a:t>iv</a:t>
+            </a:r>
+            <a:endParaRPr lang="en-US" sz="1800" baseline="-25000" dirty="0"/>
+          </a:p>
+        </p:txBody>
+      </p:sp>
+      <p:cxnSp>
+        <p:nvCxnSpPr>
+          <p:cNvPr id="93" name="Straight Arrow Connector 92"/>
+          <p:cNvCxnSpPr/>
+          <p:nvPr/>
+        </p:nvCxnSpPr>
+        <p:spPr>
+          <a:xfrm>
+            <a:off x="-992293" y="5201424"/>
+            <a:ext cx="709602" cy="0"/>
+          </a:xfrm>
+          <a:prstGeom prst="straightConnector1">
+            <a:avLst/>
+          </a:prstGeom>
+          <a:ln w="6350" cmpd="sng">
+            <a:solidFill>
+              <a:schemeClr val="tx1"/>
+            </a:solidFill>
+            <a:headEnd type="none"/>
+            <a:tailEnd type="triangle" w="sm" len="sm"/>
+          </a:ln>
+          <a:effectLst/>
+        </p:spPr>
+        <p:style>
+          <a:lnRef idx="2">
+            <a:schemeClr val="accent1"/>
+          </a:lnRef>
+          <a:fillRef idx="0">
+            <a:schemeClr val="accent1"/>
+          </a:fillRef>
+          <a:effectRef idx="1">
+            <a:schemeClr val="accent1"/>
+          </a:effectRef>
+          <a:fontRef idx="minor">
+            <a:schemeClr val="tx1"/>
+          </a:fontRef>
+        </p:style>
+      </p:cxnSp>
+      <p:sp>
+        <p:nvSpPr>
+          <p:cNvPr id="94" name="TextBox 93"/>
+          <p:cNvSpPr txBox="1"/>
+          <p:nvPr/>
+        </p:nvSpPr>
+        <p:spPr>
+          <a:xfrm>
+            <a:off x="-1635215" y="5041637"/>
+            <a:ext cx="692496" cy="276999"/>
+          </a:xfrm>
+          <a:prstGeom prst="rect">
+            <a:avLst/>
+          </a:prstGeom>
+          <a:noFill/>
+        </p:spPr>
+        <p:txBody>
+          <a:bodyPr wrap="none" lIns="0" tIns="0" rIns="0" bIns="0" rtlCol="0">
+            <a:spAutoFit/>
+          </a:bodyPr>
+          <a:lstStyle/>
+          <a:p>
+            <a:pPr algn="ctr"/>
+            <a:r>
+              <a:rPr lang="en-US" sz="1800" dirty="0" smtClean="0"/>
+              <a:t>Dose</a:t>
+            </a:r>
+            <a:r>
+              <a:rPr lang="en-US" sz="1800" baseline="-25000" dirty="0" smtClean="0"/>
+              <a:t>sc</a:t>
+            </a:r>
+            <a:endParaRPr lang="en-US" sz="1800" baseline="-25000" dirty="0"/>
+          </a:p>
+        </p:txBody>
+      </p:sp>
+      <p:cxnSp>
+        <p:nvCxnSpPr>
+          <p:cNvPr id="95" name="Straight Arrow Connector 94"/>
+          <p:cNvCxnSpPr/>
+          <p:nvPr/>
+        </p:nvCxnSpPr>
+        <p:spPr>
+          <a:xfrm>
+            <a:off x="782905" y="4999910"/>
+            <a:ext cx="709602" cy="0"/>
+          </a:xfrm>
+          <a:prstGeom prst="straightConnector1">
+            <a:avLst/>
+          </a:prstGeom>
+          <a:ln w="6350" cmpd="sng">
+            <a:solidFill>
+              <a:schemeClr val="tx1"/>
+            </a:solidFill>
+            <a:headEnd type="none"/>
+            <a:tailEnd type="triangle" w="sm" len="sm"/>
+          </a:ln>
+          <a:effectLst/>
+        </p:spPr>
+        <p:style>
+          <a:lnRef idx="2">
+            <a:schemeClr val="accent1"/>
+          </a:lnRef>
+          <a:fillRef idx="0">
+            <a:schemeClr val="accent1"/>
+          </a:fillRef>
+          <a:effectRef idx="1">
+            <a:schemeClr val="accent1"/>
+          </a:effectRef>
+          <a:fontRef idx="minor">
+            <a:schemeClr val="tx1"/>
+          </a:fontRef>
+        </p:style>
+      </p:cxnSp>
+      <p:sp>
+        <p:nvSpPr>
+          <p:cNvPr id="96" name="Rectangle 95"/>
           <p:cNvSpPr/>
           <p:nvPr/>
         </p:nvSpPr>
         <p:spPr>
           <a:xfrm>
-            <a:off x="4446655" y="3912427"/>
-            <a:ext cx="747596" cy="747596"/>
+            <a:off x="-882406" y="5092227"/>
+            <a:ext cx="394706" cy="218394"/>
           </a:xfrm>
           <a:prstGeom prst="rect">
             <a:avLst/>
@@ -3294,39 +3748,137 @@
           </a:fontRef>
         </p:style>
         <p:txBody>
-          <a:bodyPr lIns="0" tIns="0" rIns="0" bIns="0" rtlCol="0" anchor="ctr"/>
+          <a:bodyPr lIns="0" tIns="0" rIns="0" bIns="0" rtlCol="0" anchor="ctr" anchorCtr="0"/>
           <a:lstStyle/>
           <a:p>
             <a:pPr algn="ctr"/>
             <a:r>
-              <a:rPr lang="en-US" sz="3200" dirty="0" smtClean="0"/>
-              <a:t>DS</a:t>
-            </a:r>
-            <a:r>
-              <a:rPr lang="en-US" sz="3200" baseline="-25000" dirty="0" smtClean="0"/>
-              <a:t>1</a:t>
-            </a:r>
-            <a:endParaRPr lang="en-US" sz="3200" baseline="-25000" dirty="0"/>
-          </a:p>
-        </p:txBody>
-      </p:sp>
-      <p:sp>
-        <p:nvSpPr>
-          <p:cNvPr id="85" name="Rectangle 84"/>
+              <a:rPr lang="en-US" sz="1100" dirty="0"/>
+              <a:t>dep</a:t>
+            </a:r>
+          </a:p>
+        </p:txBody>
+      </p:sp>
+      <p:sp>
+        <p:nvSpPr>
+          <p:cNvPr id="97" name="TextBox 96"/>
+          <p:cNvSpPr txBox="1"/>
+          <p:nvPr/>
+        </p:nvSpPr>
+        <p:spPr>
+          <a:xfrm>
+            <a:off x="3527820" y="3538901"/>
+            <a:ext cx="657532" cy="246221"/>
+          </a:xfrm>
+          <a:prstGeom prst="rect">
+            <a:avLst/>
+          </a:prstGeom>
+          <a:noFill/>
+        </p:spPr>
+        <p:txBody>
+          <a:bodyPr wrap="square" lIns="0" tIns="0" rIns="0" bIns="0" rtlCol="0">
+            <a:spAutoFit/>
+          </a:bodyPr>
+          <a:lstStyle/>
+          <a:p>
+            <a:r>
+              <a:rPr lang="en-US" sz="1600" smtClean="0"/>
+              <a:t>k</a:t>
+            </a:r>
+            <a:r>
+              <a:rPr lang="en-US" sz="1600" baseline="-25000" smtClean="0"/>
+              <a:t>synS1</a:t>
+            </a:r>
+            <a:endParaRPr lang="en-US" sz="1600" baseline="-25000" dirty="0"/>
+          </a:p>
+        </p:txBody>
+      </p:sp>
+      <p:sp>
+        <p:nvSpPr>
+          <p:cNvPr id="98" name="TextBox 97"/>
+          <p:cNvSpPr txBox="1"/>
+          <p:nvPr/>
+        </p:nvSpPr>
+        <p:spPr>
+          <a:xfrm>
+            <a:off x="3620681" y="4619127"/>
+            <a:ext cx="657532" cy="246221"/>
+          </a:xfrm>
+          <a:prstGeom prst="rect">
+            <a:avLst/>
+          </a:prstGeom>
+          <a:noFill/>
+        </p:spPr>
+        <p:txBody>
+          <a:bodyPr wrap="square" lIns="0" tIns="0" rIns="0" bIns="0" rtlCol="0">
+            <a:spAutoFit/>
+          </a:bodyPr>
+          <a:lstStyle/>
+          <a:p>
+            <a:r>
+              <a:rPr lang="en-US" sz="1600" dirty="0" smtClean="0"/>
+              <a:t>k</a:t>
+            </a:r>
+            <a:r>
+              <a:rPr lang="en-US" sz="1600" baseline="-25000" dirty="0" smtClean="0"/>
+              <a:t>eS1</a:t>
+            </a:r>
+            <a:endParaRPr lang="en-US" sz="1600" baseline="-25000" dirty="0"/>
+          </a:p>
+        </p:txBody>
+      </p:sp>
+      <p:sp>
+        <p:nvSpPr>
+          <p:cNvPr id="99" name="TextBox 98"/>
+          <p:cNvSpPr txBox="1"/>
+          <p:nvPr/>
+        </p:nvSpPr>
+        <p:spPr>
+          <a:xfrm>
+            <a:off x="5294267" y="4598957"/>
+            <a:ext cx="657532" cy="246221"/>
+          </a:xfrm>
+          <a:prstGeom prst="rect">
+            <a:avLst/>
+          </a:prstGeom>
+          <a:noFill/>
+        </p:spPr>
+        <p:txBody>
+          <a:bodyPr wrap="square" lIns="0" tIns="0" rIns="0" bIns="0" rtlCol="0">
+            <a:spAutoFit/>
+          </a:bodyPr>
+          <a:lstStyle/>
+          <a:p>
+            <a:r>
+              <a:rPr lang="en-US" sz="1600" dirty="0" smtClean="0"/>
+              <a:t>k</a:t>
+            </a:r>
+            <a:r>
+              <a:rPr lang="en-US" sz="1600" baseline="-25000" dirty="0" smtClean="0"/>
+              <a:t>eDS1</a:t>
+            </a:r>
+            <a:endParaRPr lang="en-US" sz="1600" baseline="-25000" dirty="0"/>
+          </a:p>
+        </p:txBody>
+      </p:sp>
+      <p:sp>
+        <p:nvSpPr>
+          <p:cNvPr id="100" name="Rectangle 99"/>
           <p:cNvSpPr/>
           <p:nvPr/>
         </p:nvSpPr>
         <p:spPr>
           <a:xfrm>
-            <a:off x="1521869" y="6640253"/>
+            <a:off x="1521869" y="1452748"/>
             <a:ext cx="747596" cy="747596"/>
           </a:xfrm>
           <a:prstGeom prst="rect">
             <a:avLst/>
           </a:prstGeom>
           <a:solidFill>
-            <a:schemeClr val="bg1">
-              <a:lumMod val="75000"/>
+            <a:schemeClr val="accent2">
+              <a:lumMod val="60000"/>
+              <a:lumOff val="40000"/>
             </a:schemeClr>
           </a:solidFill>
           <a:ln w="12700" cmpd="sng">
@@ -3359,21 +3911,200 @@
             </a:r>
             <a:r>
               <a:rPr lang="en-US" sz="3200" baseline="-25000" dirty="0" smtClean="0"/>
-              <a:t>2</a:t>
-            </a:r>
-            <a:endParaRPr lang="en-US" sz="3200" dirty="0"/>
-          </a:p>
-        </p:txBody>
-      </p:sp>
-      <p:sp>
-        <p:nvSpPr>
-          <p:cNvPr id="86" name="TextBox 85"/>
+              <a:t>3</a:t>
+            </a:r>
+            <a:endParaRPr lang="en-US" sz="3200" baseline="-25000" dirty="0"/>
+          </a:p>
+        </p:txBody>
+      </p:sp>
+      <p:sp>
+        <p:nvSpPr>
+          <p:cNvPr id="101" name="TextBox 100"/>
           <p:cNvSpPr txBox="1"/>
           <p:nvPr/>
         </p:nvSpPr>
         <p:spPr>
           <a:xfrm>
-            <a:off x="3728202" y="3981631"/>
+            <a:off x="2405994" y="1860133"/>
+            <a:ext cx="319583" cy="615552"/>
+          </a:xfrm>
+          <a:prstGeom prst="rect">
+            <a:avLst/>
+          </a:prstGeom>
+          <a:noFill/>
+        </p:spPr>
+        <p:txBody>
+          <a:bodyPr wrap="square" lIns="0" tIns="0" rIns="0" bIns="0" rtlCol="0" anchor="ctr">
+            <a:spAutoFit/>
+          </a:bodyPr>
+          <a:lstStyle/>
+          <a:p>
+            <a:r>
+              <a:rPr lang="en-US" sz="4000" dirty="0"/>
+              <a:t>+</a:t>
+            </a:r>
+          </a:p>
+        </p:txBody>
+      </p:sp>
+      <p:sp>
+        <p:nvSpPr>
+          <p:cNvPr id="102" name="Rectangle 101"/>
+          <p:cNvSpPr/>
+          <p:nvPr/>
+        </p:nvSpPr>
+        <p:spPr>
+          <a:xfrm>
+            <a:off x="2843597" y="2160350"/>
+            <a:ext cx="747596" cy="747596"/>
+          </a:xfrm>
+          <a:prstGeom prst="rect">
+            <a:avLst/>
+          </a:prstGeom>
+          <a:solidFill>
+            <a:schemeClr val="accent2">
+              <a:lumMod val="60000"/>
+              <a:lumOff val="40000"/>
+            </a:schemeClr>
+          </a:solidFill>
+          <a:ln w="12700" cmpd="sng">
+            <a:noFill/>
+          </a:ln>
+          <a:effectLst/>
+        </p:spPr>
+        <p:style>
+          <a:lnRef idx="2">
+            <a:schemeClr val="accent1"/>
+          </a:lnRef>
+          <a:fillRef idx="0">
+            <a:schemeClr val="accent1"/>
+          </a:fillRef>
+          <a:effectRef idx="1">
+            <a:schemeClr val="accent1"/>
+          </a:effectRef>
+          <a:fontRef idx="minor">
+            <a:schemeClr val="tx1"/>
+          </a:fontRef>
+        </p:style>
+        <p:txBody>
+          <a:bodyPr lIns="0" tIns="0" rIns="0" bIns="0" rtlCol="0" anchor="ctr"/>
+          <a:lstStyle/>
+          <a:p>
+            <a:pPr algn="ctr"/>
+            <a:r>
+              <a:rPr lang="en-US" sz="3200" dirty="0" smtClean="0"/>
+              <a:t>S</a:t>
+            </a:r>
+            <a:r>
+              <a:rPr lang="en-US" sz="3200" baseline="-25000" dirty="0" smtClean="0"/>
+              <a:t>3</a:t>
+            </a:r>
+            <a:endParaRPr lang="en-US" sz="3200" baseline="-25000" dirty="0"/>
+          </a:p>
+        </p:txBody>
+      </p:sp>
+      <p:sp>
+        <p:nvSpPr>
+          <p:cNvPr id="103" name="Rectangle 102"/>
+          <p:cNvSpPr/>
+          <p:nvPr/>
+        </p:nvSpPr>
+        <p:spPr>
+          <a:xfrm>
+            <a:off x="4446655" y="2160350"/>
+            <a:ext cx="747596" cy="747596"/>
+          </a:xfrm>
+          <a:prstGeom prst="rect">
+            <a:avLst/>
+          </a:prstGeom>
+          <a:solidFill>
+            <a:schemeClr val="accent2">
+              <a:lumMod val="60000"/>
+              <a:lumOff val="40000"/>
+            </a:schemeClr>
+          </a:solidFill>
+          <a:ln w="12700" cmpd="sng">
+            <a:noFill/>
+          </a:ln>
+          <a:effectLst/>
+        </p:spPr>
+        <p:style>
+          <a:lnRef idx="2">
+            <a:schemeClr val="accent1"/>
+          </a:lnRef>
+          <a:fillRef idx="0">
+            <a:schemeClr val="accent1"/>
+          </a:fillRef>
+          <a:effectRef idx="1">
+            <a:schemeClr val="accent1"/>
+          </a:effectRef>
+          <a:fontRef idx="minor">
+            <a:schemeClr val="tx1"/>
+          </a:fontRef>
+        </p:style>
+        <p:txBody>
+          <a:bodyPr lIns="0" tIns="0" rIns="0" bIns="0" rtlCol="0" anchor="ctr"/>
+          <a:lstStyle/>
+          <a:p>
+            <a:pPr algn="ctr"/>
+            <a:r>
+              <a:rPr lang="en-US" sz="3200" dirty="0" smtClean="0"/>
+              <a:t>DS</a:t>
+            </a:r>
+            <a:r>
+              <a:rPr lang="en-US" sz="3200" baseline="-25000" dirty="0" smtClean="0"/>
+              <a:t>3</a:t>
+            </a:r>
+            <a:endParaRPr lang="en-US" sz="3200" baseline="-25000" dirty="0"/>
+          </a:p>
+        </p:txBody>
+      </p:sp>
+      <p:cxnSp>
+        <p:nvCxnSpPr>
+          <p:cNvPr id="104" name="Straight Arrow Connector 103"/>
+          <p:cNvCxnSpPr/>
+          <p:nvPr/>
+        </p:nvCxnSpPr>
+        <p:spPr>
+          <a:xfrm>
+            <a:off x="3351889" y="3664190"/>
+            <a:ext cx="230689" cy="232686"/>
+          </a:xfrm>
+          <a:prstGeom prst="straightConnector1">
+            <a:avLst/>
+          </a:prstGeom>
+          <a:ln w="6350" cmpd="sng">
+            <a:solidFill>
+              <a:schemeClr val="tx1"/>
+            </a:solidFill>
+            <a:headEnd type="none"/>
+            <a:tailEnd type="triangle" w="sm" len="sm"/>
+          </a:ln>
+          <a:effectLst/>
+        </p:spPr>
+        <p:style>
+          <a:lnRef idx="2">
+            <a:schemeClr val="accent1"/>
+          </a:lnRef>
+          <a:fillRef idx="0">
+            <a:schemeClr val="accent1"/>
+          </a:fillRef>
+          <a:effectRef idx="1">
+            <a:schemeClr val="accent1"/>
+          </a:effectRef>
+          <a:fontRef idx="minor">
+            <a:schemeClr val="tx1"/>
+          </a:fontRef>
+        </p:style>
+      </p:cxnSp>
+      <p:sp>
+        <p:nvSpPr>
+          <p:cNvPr id="105" name="TextBox 104"/>
+          <p:cNvSpPr txBox="1"/>
+          <p:nvPr/>
+        </p:nvSpPr>
+        <p:spPr>
+          <a:xfrm>
+            <a:off x="3728202" y="2229554"/>
             <a:ext cx="615394" cy="492444"/>
           </a:xfrm>
           <a:prstGeom prst="rect">
@@ -3394,7 +4125,7 @@
             </a:r>
             <a:r>
               <a:rPr lang="en-US" sz="1600" baseline="-25000" dirty="0" smtClean="0"/>
-              <a:t>on1</a:t>
+              <a:t>on3</a:t>
             </a:r>
             <a:endParaRPr lang="en-US" sz="1600" baseline="-25000" dirty="0"/>
           </a:p>
@@ -3406,7 +4137,7 @@
             </a:r>
             <a:r>
               <a:rPr lang="en-US" sz="1600" baseline="-25000" dirty="0" smtClean="0"/>
-              <a:t>off1</a:t>
+              <a:t>off3</a:t>
             </a:r>
             <a:endParaRPr lang="en-US" sz="1600" baseline="-25000" dirty="0"/>
           </a:p>
@@ -3414,13 +4145,13 @@
       </p:sp>
       <p:cxnSp>
         <p:nvCxnSpPr>
-          <p:cNvPr id="87" name="Straight Arrow Connector 86"/>
+          <p:cNvPr id="106" name="Straight Arrow Connector 105"/>
           <p:cNvCxnSpPr/>
           <p:nvPr/>
         </p:nvCxnSpPr>
         <p:spPr>
           <a:xfrm>
-            <a:off x="3675406" y="4257947"/>
+            <a:off x="3675406" y="2501157"/>
             <a:ext cx="685168" cy="0"/>
           </a:xfrm>
           <a:prstGeom prst="straightConnector1">
@@ -3452,14 +4183,14 @@
       </p:cxnSp>
       <p:sp>
         <p:nvSpPr>
-          <p:cNvPr id="89" name="TextBox 88"/>
+          <p:cNvPr id="108" name="TextBox 107"/>
           <p:cNvSpPr txBox="1"/>
           <p:nvPr/>
         </p:nvSpPr>
         <p:spPr>
           <a:xfrm>
-            <a:off x="2012407" y="5518724"/>
-            <a:ext cx="657532" cy="246221"/>
+            <a:off x="1469433" y="3218206"/>
+            <a:ext cx="403237" cy="492444"/>
           </a:xfrm>
           <a:prstGeom prst="rect">
             <a:avLst/>
@@ -3478,21 +4209,32 @@
             </a:r>
             <a:r>
               <a:rPr lang="en-US" sz="1600" baseline="-25000" dirty="0" smtClean="0"/>
-              <a:t>eD1</a:t>
+              <a:t>13D</a:t>
             </a:r>
             <a:endParaRPr lang="en-US" sz="1600" baseline="-25000" dirty="0"/>
           </a:p>
-        </p:txBody>
-      </p:sp>
-      <p:sp>
-        <p:nvSpPr>
-          <p:cNvPr id="90" name="TextBox 89"/>
+          <a:p>
+            <a:r>
+              <a:rPr lang="en-US" sz="1600" dirty="0" smtClean="0"/>
+              <a:t>k</a:t>
+            </a:r>
+            <a:r>
+              <a:rPr lang="en-US" sz="1600" baseline="-25000" dirty="0" smtClean="0"/>
+              <a:t>31D</a:t>
+            </a:r>
+            <a:endParaRPr lang="en-US" sz="1600" baseline="-25000" dirty="0"/>
+          </a:p>
+        </p:txBody>
+      </p:sp>
+      <p:sp>
+        <p:nvSpPr>
+          <p:cNvPr id="110" name="TextBox 109"/>
           <p:cNvSpPr txBox="1"/>
           <p:nvPr/>
         </p:nvSpPr>
         <p:spPr>
           <a:xfrm>
-            <a:off x="1499250" y="5829638"/>
+            <a:off x="2890055" y="3135681"/>
             <a:ext cx="403237" cy="492444"/>
           </a:xfrm>
           <a:prstGeom prst="rect">
@@ -3507,36 +4249,38 @@
           <a:lstStyle/>
           <a:p>
             <a:r>
-              <a:rPr lang="en-US" sz="1600" dirty="0"/>
+              <a:rPr lang="en-US" sz="1600" dirty="0" smtClean="0"/>
               <a:t>k</a:t>
             </a:r>
             <a:r>
-              <a:rPr lang="en-US" sz="1600" baseline="-25000" dirty="0"/>
-              <a:t>12D</a:t>
-            </a:r>
-          </a:p>
-          <a:p>
-            <a:r>
-              <a:rPr lang="en-US" sz="1600" dirty="0"/>
+              <a:rPr lang="en-US" sz="1600" baseline="-25000" dirty="0" smtClean="0"/>
+              <a:t>13S</a:t>
+            </a:r>
+            <a:endParaRPr lang="en-US" sz="1600" baseline="-25000" dirty="0"/>
+          </a:p>
+          <a:p>
+            <a:r>
+              <a:rPr lang="en-US" sz="1600" dirty="0" smtClean="0"/>
               <a:t>k</a:t>
             </a:r>
             <a:r>
-              <a:rPr lang="en-US" sz="1600" baseline="-25000" dirty="0"/>
-              <a:t>21D</a:t>
-            </a:r>
-          </a:p>
-        </p:txBody>
-      </p:sp>
-      <p:sp>
-        <p:nvSpPr>
-          <p:cNvPr id="91" name="TextBox 90"/>
+              <a:rPr lang="en-US" sz="1600" baseline="-25000" dirty="0" smtClean="0"/>
+              <a:t>31S</a:t>
+            </a:r>
+            <a:endParaRPr lang="en-US" sz="1600" baseline="-25000" dirty="0"/>
+          </a:p>
+        </p:txBody>
+      </p:sp>
+      <p:sp>
+        <p:nvSpPr>
+          <p:cNvPr id="112" name="TextBox 111"/>
           <p:cNvSpPr txBox="1"/>
           <p:nvPr/>
         </p:nvSpPr>
         <p:spPr>
           <a:xfrm>
-            <a:off x="-856525" y="5271372"/>
-            <a:ext cx="657532" cy="246221"/>
+            <a:off x="4414717" y="3128927"/>
+            <a:ext cx="473056" cy="492444"/>
           </a:xfrm>
           <a:prstGeom prst="rect">
             <a:avLst/>
@@ -3550,26 +4294,38 @@
           <a:lstStyle/>
           <a:p>
             <a:r>
-              <a:rPr lang="en-US" sz="1600" dirty="0"/>
-              <a:t>F, k</a:t>
-            </a:r>
-            <a:r>
-              <a:rPr lang="en-US" sz="1600" baseline="-25000" dirty="0"/>
-              <a:t>a</a:t>
-            </a:r>
-          </a:p>
-        </p:txBody>
-      </p:sp>
-      <p:sp>
-        <p:nvSpPr>
-          <p:cNvPr id="92" name="TextBox 91"/>
+              <a:rPr lang="en-US" sz="1600" dirty="0" smtClean="0"/>
+              <a:t>k</a:t>
+            </a:r>
+            <a:r>
+              <a:rPr lang="en-US" sz="1600" baseline="-25000" dirty="0" smtClean="0"/>
+              <a:t>13DS</a:t>
+            </a:r>
+            <a:endParaRPr lang="en-US" sz="1600" baseline="-25000" dirty="0"/>
+          </a:p>
+          <a:p>
+            <a:r>
+              <a:rPr lang="en-US" sz="1600" dirty="0" smtClean="0"/>
+              <a:t>k</a:t>
+            </a:r>
+            <a:r>
+              <a:rPr lang="en-US" sz="1600" baseline="-25000" dirty="0" smtClean="0"/>
+              <a:t>31DS</a:t>
+            </a:r>
+            <a:endParaRPr lang="en-US" sz="1600" baseline="-25000" dirty="0"/>
+          </a:p>
+        </p:txBody>
+      </p:sp>
+      <p:sp>
+        <p:nvSpPr>
+          <p:cNvPr id="113" name="TextBox 112"/>
           <p:cNvSpPr txBox="1"/>
           <p:nvPr/>
         </p:nvSpPr>
         <p:spPr>
           <a:xfrm>
-            <a:off x="188070" y="4844335"/>
-            <a:ext cx="649217" cy="276999"/>
+            <a:off x="5265637" y="2880161"/>
+            <a:ext cx="657532" cy="246221"/>
           </a:xfrm>
           <a:prstGeom prst="rect">
             <a:avLst/>
@@ -3577,72 +4333,33 @@
           <a:noFill/>
         </p:spPr>
         <p:txBody>
-          <a:bodyPr wrap="none" lIns="0" tIns="0" rIns="0" bIns="0" rtlCol="0">
+          <a:bodyPr wrap="square" lIns="0" tIns="0" rIns="0" bIns="0" rtlCol="0">
             <a:spAutoFit/>
           </a:bodyPr>
           <a:lstStyle/>
           <a:p>
-            <a:pPr algn="ctr"/>
-            <a:r>
-              <a:rPr lang="en-US" sz="1800" dirty="0" smtClean="0"/>
-              <a:t>Dose</a:t>
-            </a:r>
-            <a:r>
-              <a:rPr lang="en-US" sz="1800" baseline="-25000" dirty="0" smtClean="0"/>
-              <a:t>iv</a:t>
-            </a:r>
-            <a:endParaRPr lang="en-US" sz="1800" baseline="-25000" dirty="0"/>
-          </a:p>
-        </p:txBody>
-      </p:sp>
-      <p:cxnSp>
-        <p:nvCxnSpPr>
-          <p:cNvPr id="93" name="Straight Arrow Connector 92"/>
-          <p:cNvCxnSpPr/>
-          <p:nvPr/>
-        </p:nvCxnSpPr>
-        <p:spPr>
-          <a:xfrm>
-            <a:off x="-992293" y="5201424"/>
-            <a:ext cx="709602" cy="0"/>
-          </a:xfrm>
-          <a:prstGeom prst="straightConnector1">
-            <a:avLst/>
-          </a:prstGeom>
-          <a:ln w="6350" cmpd="sng">
-            <a:solidFill>
-              <a:schemeClr val="tx1"/>
-            </a:solidFill>
-            <a:headEnd type="none"/>
-            <a:tailEnd type="triangle" w="sm" len="sm"/>
-          </a:ln>
-          <a:effectLst/>
-        </p:spPr>
-        <p:style>
-          <a:lnRef idx="2">
-            <a:schemeClr val="accent1"/>
-          </a:lnRef>
-          <a:fillRef idx="0">
-            <a:schemeClr val="accent1"/>
-          </a:fillRef>
-          <a:effectRef idx="1">
-            <a:schemeClr val="accent1"/>
-          </a:effectRef>
-          <a:fontRef idx="minor">
-            <a:schemeClr val="tx1"/>
-          </a:fontRef>
-        </p:style>
-      </p:cxnSp>
-      <p:sp>
-        <p:nvSpPr>
-          <p:cNvPr id="94" name="TextBox 93"/>
+            <a:r>
+              <a:rPr lang="en-US" sz="1600" dirty="0" smtClean="0"/>
+              <a:t>k</a:t>
+            </a:r>
+            <a:r>
+              <a:rPr lang="en-US" sz="1600" baseline="-25000" dirty="0" smtClean="0"/>
+              <a:t>eDS3</a:t>
+            </a:r>
+            <a:endParaRPr lang="en-US" sz="1600" baseline="-25000" dirty="0"/>
+          </a:p>
+        </p:txBody>
+      </p:sp>
+      <p:sp>
+        <p:nvSpPr>
+          <p:cNvPr id="114" name="TextBox 113"/>
           <p:cNvSpPr txBox="1"/>
           <p:nvPr/>
         </p:nvSpPr>
         <p:spPr>
           <a:xfrm>
-            <a:off x="-1635215" y="5041637"/>
-            <a:ext cx="692496" cy="276999"/>
+            <a:off x="58526" y="1452748"/>
+            <a:ext cx="1837141" cy="646330"/>
           </a:xfrm>
           <a:prstGeom prst="rect">
             <a:avLst/>
@@ -3650,79 +4367,177 @@
           <a:noFill/>
         </p:spPr>
         <p:txBody>
-          <a:bodyPr wrap="none" lIns="0" tIns="0" rIns="0" bIns="0" rtlCol="0">
+          <a:bodyPr wrap="square" rtlCol="0">
             <a:spAutoFit/>
           </a:bodyPr>
           <a:lstStyle/>
           <a:p>
-            <a:pPr algn="ctr"/>
-            <a:r>
-              <a:rPr lang="en-US" sz="1800" dirty="0" smtClean="0"/>
-              <a:t>Dose</a:t>
-            </a:r>
-            <a:r>
-              <a:rPr lang="en-US" sz="1800" baseline="-25000" dirty="0" smtClean="0"/>
-              <a:t>sc</a:t>
-            </a:r>
-            <a:endParaRPr lang="en-US" sz="1800" baseline="-25000" dirty="0"/>
-          </a:p>
-        </p:txBody>
-      </p:sp>
-      <p:cxnSp>
-        <p:nvCxnSpPr>
-          <p:cNvPr id="95" name="Straight Arrow Connector 94"/>
-          <p:cNvCxnSpPr/>
-          <p:nvPr/>
-        </p:nvCxnSpPr>
-        <p:spPr>
-          <a:xfrm>
-            <a:off x="782905" y="4999910"/>
-            <a:ext cx="709602" cy="0"/>
-          </a:xfrm>
-          <a:prstGeom prst="straightConnector1">
-            <a:avLst/>
-          </a:prstGeom>
-          <a:ln w="6350" cmpd="sng">
-            <a:solidFill>
-              <a:schemeClr val="tx1"/>
-            </a:solidFill>
-            <a:headEnd type="none"/>
-            <a:tailEnd type="triangle" w="sm" len="sm"/>
-          </a:ln>
-          <a:effectLst/>
-        </p:spPr>
-        <p:style>
-          <a:lnRef idx="2">
-            <a:schemeClr val="accent1"/>
-          </a:lnRef>
-          <a:fillRef idx="0">
-            <a:schemeClr val="accent1"/>
-          </a:fillRef>
-          <a:effectRef idx="1">
-            <a:schemeClr val="accent1"/>
-          </a:effectRef>
-          <a:fontRef idx="minor">
-            <a:schemeClr val="tx1"/>
-          </a:fontRef>
-        </p:style>
-      </p:cxnSp>
-      <p:sp>
-        <p:nvSpPr>
-          <p:cNvPr id="96" name="Rectangle 95"/>
+            <a:r>
+              <a:rPr lang="en-US" sz="1800" i="1" u="sng" dirty="0" smtClean="0">
+                <a:solidFill>
+                  <a:srgbClr val="C00000"/>
+                </a:solidFill>
+              </a:rPr>
+              <a:t>Target</a:t>
+            </a:r>
+          </a:p>
+          <a:p>
+            <a:r>
+              <a:rPr lang="en-US" sz="1800" i="1" u="sng" dirty="0" smtClean="0">
+                <a:solidFill>
+                  <a:srgbClr val="C00000"/>
+                </a:solidFill>
+              </a:rPr>
+              <a:t>Tissue</a:t>
+            </a:r>
+            <a:r>
+              <a:rPr lang="en-US" sz="1800" i="1" dirty="0" smtClean="0">
+                <a:solidFill>
+                  <a:srgbClr val="C00000"/>
+                </a:solidFill>
+              </a:rPr>
+              <a:t> (3)</a:t>
+            </a:r>
+            <a:endParaRPr lang="en-US" sz="1800" i="1" dirty="0">
+              <a:solidFill>
+                <a:srgbClr val="C00000"/>
+              </a:solidFill>
+            </a:endParaRPr>
+          </a:p>
+        </p:txBody>
+      </p:sp>
+      <p:sp>
+        <p:nvSpPr>
+          <p:cNvPr id="115" name="TextBox 114"/>
+          <p:cNvSpPr txBox="1"/>
+          <p:nvPr/>
+        </p:nvSpPr>
+        <p:spPr>
+          <a:xfrm>
+            <a:off x="44448" y="6708887"/>
+            <a:ext cx="2057528" cy="369331"/>
+          </a:xfrm>
+          <a:prstGeom prst="rect">
+            <a:avLst/>
+          </a:prstGeom>
+          <a:noFill/>
+        </p:spPr>
+        <p:txBody>
+          <a:bodyPr wrap="square" rtlCol="0">
+            <a:spAutoFit/>
+          </a:bodyPr>
+          <a:lstStyle/>
+          <a:p>
+            <a:r>
+              <a:rPr lang="en-US" sz="1800" i="1" u="sng" dirty="0" smtClean="0"/>
+              <a:t>Peripheral</a:t>
+            </a:r>
+            <a:r>
+              <a:rPr lang="en-US" sz="1800" i="1" dirty="0" smtClean="0"/>
+              <a:t> (2)</a:t>
+            </a:r>
+          </a:p>
+        </p:txBody>
+      </p:sp>
+      <p:sp>
+        <p:nvSpPr>
+          <p:cNvPr id="116" name="TextBox 115"/>
+          <p:cNvSpPr txBox="1"/>
+          <p:nvPr/>
+        </p:nvSpPr>
+        <p:spPr>
+          <a:xfrm>
+            <a:off x="67873" y="4219317"/>
+            <a:ext cx="1744097" cy="369331"/>
+          </a:xfrm>
+          <a:prstGeom prst="rect">
+            <a:avLst/>
+          </a:prstGeom>
+          <a:noFill/>
+        </p:spPr>
+        <p:txBody>
+          <a:bodyPr wrap="square" rtlCol="0">
+            <a:spAutoFit/>
+          </a:bodyPr>
+          <a:lstStyle/>
+          <a:p>
+            <a:r>
+              <a:rPr lang="en-US" sz="1800" i="1" u="sng" dirty="0" smtClean="0">
+                <a:solidFill>
+                  <a:schemeClr val="tx2">
+                    <a:lumMod val="75000"/>
+                  </a:schemeClr>
+                </a:solidFill>
+              </a:rPr>
+              <a:t>Central</a:t>
+            </a:r>
+            <a:r>
+              <a:rPr lang="en-US" sz="1800" i="1" dirty="0" smtClean="0">
+                <a:solidFill>
+                  <a:schemeClr val="tx2">
+                    <a:lumMod val="75000"/>
+                  </a:schemeClr>
+                </a:solidFill>
+              </a:rPr>
+              <a:t> (1)</a:t>
+            </a:r>
+            <a:endParaRPr lang="en-US" sz="1800" i="1" dirty="0">
+              <a:solidFill>
+                <a:schemeClr val="tx2">
+                  <a:lumMod val="75000"/>
+                </a:schemeClr>
+              </a:solidFill>
+            </a:endParaRPr>
+          </a:p>
+        </p:txBody>
+      </p:sp>
+      <p:sp>
+        <p:nvSpPr>
+          <p:cNvPr id="117" name="TextBox 116"/>
+          <p:cNvSpPr txBox="1"/>
+          <p:nvPr/>
+        </p:nvSpPr>
+        <p:spPr>
+          <a:xfrm>
+            <a:off x="2380594" y="5200278"/>
+            <a:ext cx="319583" cy="615552"/>
+          </a:xfrm>
+          <a:prstGeom prst="rect">
+            <a:avLst/>
+          </a:prstGeom>
+          <a:noFill/>
+        </p:spPr>
+        <p:txBody>
+          <a:bodyPr wrap="square" lIns="0" tIns="0" rIns="0" bIns="0" rtlCol="0" anchor="ctr">
+            <a:spAutoFit/>
+          </a:bodyPr>
+          <a:lstStyle/>
+          <a:p>
+            <a:r>
+              <a:rPr lang="en-US" sz="4000" dirty="0"/>
+              <a:t>+</a:t>
+            </a:r>
+          </a:p>
+        </p:txBody>
+      </p:sp>
+      <p:sp>
+        <p:nvSpPr>
+          <p:cNvPr id="118" name="Rectangle 117"/>
           <p:cNvSpPr/>
           <p:nvPr/>
         </p:nvSpPr>
         <p:spPr>
           <a:xfrm>
-            <a:off x="-882406" y="5092227"/>
-            <a:ext cx="394706" cy="218394"/>
+            <a:off x="2843597" y="5455840"/>
+            <a:ext cx="747596" cy="747596"/>
           </a:xfrm>
           <a:prstGeom prst="rect">
             <a:avLst/>
           </a:prstGeom>
           <a:solidFill>
-            <a:schemeClr val="bg1">
-              <a:lumMod val="75000"/>
+            <a:schemeClr val="accent1">
+              <a:lumMod val="60000"/>
+              <a:lumOff val="40000"/>
             </a:schemeClr>
           </a:solidFill>
           <a:ln w="12700" cmpd="sng">
@@ -3745,780 +4560,6 @@
           </a:fontRef>
         </p:style>
         <p:txBody>
-          <a:bodyPr lIns="0" tIns="0" rIns="0" bIns="0" rtlCol="0" anchor="ctr" anchorCtr="0"/>
-          <a:lstStyle/>
-          <a:p>
-            <a:pPr algn="ctr"/>
-            <a:r>
-              <a:rPr lang="en-US" sz="1100" dirty="0"/>
-              <a:t>dep</a:t>
-            </a:r>
-          </a:p>
-        </p:txBody>
-      </p:sp>
-      <p:sp>
-        <p:nvSpPr>
-          <p:cNvPr id="97" name="TextBox 96"/>
-          <p:cNvSpPr txBox="1"/>
-          <p:nvPr/>
-        </p:nvSpPr>
-        <p:spPr>
-          <a:xfrm>
-            <a:off x="3527820" y="3538901"/>
-            <a:ext cx="657532" cy="246221"/>
-          </a:xfrm>
-          <a:prstGeom prst="rect">
-            <a:avLst/>
-          </a:prstGeom>
-          <a:noFill/>
-        </p:spPr>
-        <p:txBody>
-          <a:bodyPr wrap="square" lIns="0" tIns="0" rIns="0" bIns="0" rtlCol="0">
-            <a:spAutoFit/>
-          </a:bodyPr>
-          <a:lstStyle/>
-          <a:p>
-            <a:r>
-              <a:rPr lang="en-US" sz="1600" smtClean="0"/>
-              <a:t>k</a:t>
-            </a:r>
-            <a:r>
-              <a:rPr lang="en-US" sz="1600" baseline="-25000" smtClean="0"/>
-              <a:t>synS1</a:t>
-            </a:r>
-            <a:endParaRPr lang="en-US" sz="1600" baseline="-25000" dirty="0"/>
-          </a:p>
-        </p:txBody>
-      </p:sp>
-      <p:sp>
-        <p:nvSpPr>
-          <p:cNvPr id="98" name="TextBox 97"/>
-          <p:cNvSpPr txBox="1"/>
-          <p:nvPr/>
-        </p:nvSpPr>
-        <p:spPr>
-          <a:xfrm>
-            <a:off x="3620681" y="4619127"/>
-            <a:ext cx="657532" cy="246221"/>
-          </a:xfrm>
-          <a:prstGeom prst="rect">
-            <a:avLst/>
-          </a:prstGeom>
-          <a:noFill/>
-        </p:spPr>
-        <p:txBody>
-          <a:bodyPr wrap="square" lIns="0" tIns="0" rIns="0" bIns="0" rtlCol="0">
-            <a:spAutoFit/>
-          </a:bodyPr>
-          <a:lstStyle/>
-          <a:p>
-            <a:r>
-              <a:rPr lang="en-US" sz="1600" dirty="0" smtClean="0"/>
-              <a:t>k</a:t>
-            </a:r>
-            <a:r>
-              <a:rPr lang="en-US" sz="1600" baseline="-25000" dirty="0" smtClean="0"/>
-              <a:t>eS1</a:t>
-            </a:r>
-            <a:endParaRPr lang="en-US" sz="1600" baseline="-25000" dirty="0"/>
-          </a:p>
-        </p:txBody>
-      </p:sp>
-      <p:sp>
-        <p:nvSpPr>
-          <p:cNvPr id="99" name="TextBox 98"/>
-          <p:cNvSpPr txBox="1"/>
-          <p:nvPr/>
-        </p:nvSpPr>
-        <p:spPr>
-          <a:xfrm>
-            <a:off x="5294267" y="4598957"/>
-            <a:ext cx="657532" cy="246221"/>
-          </a:xfrm>
-          <a:prstGeom prst="rect">
-            <a:avLst/>
-          </a:prstGeom>
-          <a:noFill/>
-        </p:spPr>
-        <p:txBody>
-          <a:bodyPr wrap="square" lIns="0" tIns="0" rIns="0" bIns="0" rtlCol="0">
-            <a:spAutoFit/>
-          </a:bodyPr>
-          <a:lstStyle/>
-          <a:p>
-            <a:r>
-              <a:rPr lang="en-US" sz="1600" dirty="0" smtClean="0"/>
-              <a:t>k</a:t>
-            </a:r>
-            <a:r>
-              <a:rPr lang="en-US" sz="1600" baseline="-25000" dirty="0" smtClean="0"/>
-              <a:t>eDS1</a:t>
-            </a:r>
-            <a:endParaRPr lang="en-US" sz="1600" baseline="-25000" dirty="0"/>
-          </a:p>
-        </p:txBody>
-      </p:sp>
-      <p:sp>
-        <p:nvSpPr>
-          <p:cNvPr id="100" name="Rectangle 99"/>
-          <p:cNvSpPr/>
-          <p:nvPr/>
-        </p:nvSpPr>
-        <p:spPr>
-          <a:xfrm>
-            <a:off x="1521869" y="1452748"/>
-            <a:ext cx="747596" cy="747596"/>
-          </a:xfrm>
-          <a:prstGeom prst="rect">
-            <a:avLst/>
-          </a:prstGeom>
-          <a:solidFill>
-            <a:schemeClr val="bg1">
-              <a:lumMod val="75000"/>
-            </a:schemeClr>
-          </a:solidFill>
-          <a:ln w="12700" cmpd="sng">
-            <a:noFill/>
-          </a:ln>
-          <a:effectLst/>
-        </p:spPr>
-        <p:style>
-          <a:lnRef idx="2">
-            <a:schemeClr val="accent1"/>
-          </a:lnRef>
-          <a:fillRef idx="0">
-            <a:schemeClr val="accent1"/>
-          </a:fillRef>
-          <a:effectRef idx="1">
-            <a:schemeClr val="accent1"/>
-          </a:effectRef>
-          <a:fontRef idx="minor">
-            <a:schemeClr val="tx1"/>
-          </a:fontRef>
-        </p:style>
-        <p:txBody>
-          <a:bodyPr lIns="0" tIns="0" rIns="0" bIns="0" rtlCol="0" anchor="ctr"/>
-          <a:lstStyle/>
-          <a:p>
-            <a:pPr algn="ctr"/>
-            <a:r>
-              <a:rPr lang="en-US" sz="3200" dirty="0" smtClean="0"/>
-              <a:t>D</a:t>
-            </a:r>
-            <a:r>
-              <a:rPr lang="en-US" sz="3200" baseline="-25000" dirty="0" smtClean="0"/>
-              <a:t>3</a:t>
-            </a:r>
-            <a:endParaRPr lang="en-US" sz="3200" baseline="-25000" dirty="0"/>
-          </a:p>
-        </p:txBody>
-      </p:sp>
-      <p:sp>
-        <p:nvSpPr>
-          <p:cNvPr id="101" name="TextBox 100"/>
-          <p:cNvSpPr txBox="1"/>
-          <p:nvPr/>
-        </p:nvSpPr>
-        <p:spPr>
-          <a:xfrm>
-            <a:off x="2405994" y="1860133"/>
-            <a:ext cx="319583" cy="615552"/>
-          </a:xfrm>
-          <a:prstGeom prst="rect">
-            <a:avLst/>
-          </a:prstGeom>
-          <a:noFill/>
-        </p:spPr>
-        <p:txBody>
-          <a:bodyPr wrap="square" lIns="0" tIns="0" rIns="0" bIns="0" rtlCol="0" anchor="ctr">
-            <a:spAutoFit/>
-          </a:bodyPr>
-          <a:lstStyle/>
-          <a:p>
-            <a:r>
-              <a:rPr lang="en-US" sz="4000" dirty="0"/>
-              <a:t>+</a:t>
-            </a:r>
-          </a:p>
-        </p:txBody>
-      </p:sp>
-      <p:sp>
-        <p:nvSpPr>
-          <p:cNvPr id="102" name="Rectangle 101"/>
-          <p:cNvSpPr/>
-          <p:nvPr/>
-        </p:nvSpPr>
-        <p:spPr>
-          <a:xfrm>
-            <a:off x="2843597" y="2160350"/>
-            <a:ext cx="747596" cy="747596"/>
-          </a:xfrm>
-          <a:prstGeom prst="rect">
-            <a:avLst/>
-          </a:prstGeom>
-          <a:solidFill>
-            <a:schemeClr val="bg1">
-              <a:lumMod val="75000"/>
-            </a:schemeClr>
-          </a:solidFill>
-          <a:ln w="12700" cmpd="sng">
-            <a:noFill/>
-          </a:ln>
-          <a:effectLst/>
-        </p:spPr>
-        <p:style>
-          <a:lnRef idx="2">
-            <a:schemeClr val="accent1"/>
-          </a:lnRef>
-          <a:fillRef idx="0">
-            <a:schemeClr val="accent1"/>
-          </a:fillRef>
-          <a:effectRef idx="1">
-            <a:schemeClr val="accent1"/>
-          </a:effectRef>
-          <a:fontRef idx="minor">
-            <a:schemeClr val="tx1"/>
-          </a:fontRef>
-        </p:style>
-        <p:txBody>
-          <a:bodyPr lIns="0" tIns="0" rIns="0" bIns="0" rtlCol="0" anchor="ctr"/>
-          <a:lstStyle/>
-          <a:p>
-            <a:pPr algn="ctr"/>
-            <a:r>
-              <a:rPr lang="en-US" sz="3200" dirty="0" smtClean="0"/>
-              <a:t>S</a:t>
-            </a:r>
-            <a:r>
-              <a:rPr lang="en-US" sz="3200" baseline="-25000" dirty="0" smtClean="0"/>
-              <a:t>3</a:t>
-            </a:r>
-            <a:endParaRPr lang="en-US" sz="3200" baseline="-25000" dirty="0"/>
-          </a:p>
-        </p:txBody>
-      </p:sp>
-      <p:sp>
-        <p:nvSpPr>
-          <p:cNvPr id="103" name="Rectangle 102"/>
-          <p:cNvSpPr/>
-          <p:nvPr/>
-        </p:nvSpPr>
-        <p:spPr>
-          <a:xfrm>
-            <a:off x="4446655" y="2160350"/>
-            <a:ext cx="747596" cy="747596"/>
-          </a:xfrm>
-          <a:prstGeom prst="rect">
-            <a:avLst/>
-          </a:prstGeom>
-          <a:solidFill>
-            <a:schemeClr val="bg1">
-              <a:lumMod val="75000"/>
-            </a:schemeClr>
-          </a:solidFill>
-          <a:ln w="12700" cmpd="sng">
-            <a:noFill/>
-          </a:ln>
-          <a:effectLst/>
-        </p:spPr>
-        <p:style>
-          <a:lnRef idx="2">
-            <a:schemeClr val="accent1"/>
-          </a:lnRef>
-          <a:fillRef idx="0">
-            <a:schemeClr val="accent1"/>
-          </a:fillRef>
-          <a:effectRef idx="1">
-            <a:schemeClr val="accent1"/>
-          </a:effectRef>
-          <a:fontRef idx="minor">
-            <a:schemeClr val="tx1"/>
-          </a:fontRef>
-        </p:style>
-        <p:txBody>
-          <a:bodyPr lIns="0" tIns="0" rIns="0" bIns="0" rtlCol="0" anchor="ctr"/>
-          <a:lstStyle/>
-          <a:p>
-            <a:pPr algn="ctr"/>
-            <a:r>
-              <a:rPr lang="en-US" sz="3200" dirty="0" smtClean="0"/>
-              <a:t>DS</a:t>
-            </a:r>
-            <a:r>
-              <a:rPr lang="en-US" sz="3200" baseline="-25000" dirty="0" smtClean="0"/>
-              <a:t>3</a:t>
-            </a:r>
-            <a:endParaRPr lang="en-US" sz="3200" baseline="-25000" dirty="0"/>
-          </a:p>
-        </p:txBody>
-      </p:sp>
-      <p:cxnSp>
-        <p:nvCxnSpPr>
-          <p:cNvPr id="104" name="Straight Arrow Connector 103"/>
-          <p:cNvCxnSpPr/>
-          <p:nvPr/>
-        </p:nvCxnSpPr>
-        <p:spPr>
-          <a:xfrm>
-            <a:off x="3351889" y="3664190"/>
-            <a:ext cx="230689" cy="232686"/>
-          </a:xfrm>
-          <a:prstGeom prst="straightConnector1">
-            <a:avLst/>
-          </a:prstGeom>
-          <a:ln w="6350" cmpd="sng">
-            <a:solidFill>
-              <a:schemeClr val="tx1"/>
-            </a:solidFill>
-            <a:headEnd type="none"/>
-            <a:tailEnd type="triangle" w="sm" len="sm"/>
-          </a:ln>
-          <a:effectLst/>
-        </p:spPr>
-        <p:style>
-          <a:lnRef idx="2">
-            <a:schemeClr val="accent1"/>
-          </a:lnRef>
-          <a:fillRef idx="0">
-            <a:schemeClr val="accent1"/>
-          </a:fillRef>
-          <a:effectRef idx="1">
-            <a:schemeClr val="accent1"/>
-          </a:effectRef>
-          <a:fontRef idx="minor">
-            <a:schemeClr val="tx1"/>
-          </a:fontRef>
-        </p:style>
-      </p:cxnSp>
-      <p:sp>
-        <p:nvSpPr>
-          <p:cNvPr id="105" name="TextBox 104"/>
-          <p:cNvSpPr txBox="1"/>
-          <p:nvPr/>
-        </p:nvSpPr>
-        <p:spPr>
-          <a:xfrm>
-            <a:off x="3728202" y="2229554"/>
-            <a:ext cx="615394" cy="492444"/>
-          </a:xfrm>
-          <a:prstGeom prst="rect">
-            <a:avLst/>
-          </a:prstGeom>
-          <a:noFill/>
-        </p:spPr>
-        <p:txBody>
-          <a:bodyPr wrap="square" lIns="0" tIns="0" rIns="0" bIns="0" rtlCol="0">
-            <a:spAutoFit/>
-          </a:bodyPr>
-          <a:lstStyle/>
-          <a:p>
-            <a:pPr algn="ctr"/>
-            <a:r>
-              <a:rPr lang="en-US" sz="1600" dirty="0" smtClean="0"/>
-              <a:t>k</a:t>
-            </a:r>
-            <a:r>
-              <a:rPr lang="en-US" sz="1600" baseline="-25000" dirty="0" smtClean="0"/>
-              <a:t>on3</a:t>
-            </a:r>
-            <a:endParaRPr lang="en-US" sz="1600" baseline="-25000" dirty="0"/>
-          </a:p>
-          <a:p>
-            <a:pPr algn="ctr"/>
-            <a:r>
-              <a:rPr lang="en-US" sz="1600" dirty="0" smtClean="0"/>
-              <a:t>k</a:t>
-            </a:r>
-            <a:r>
-              <a:rPr lang="en-US" sz="1600" baseline="-25000" dirty="0" smtClean="0"/>
-              <a:t>off3</a:t>
-            </a:r>
-            <a:endParaRPr lang="en-US" sz="1600" baseline="-25000" dirty="0"/>
-          </a:p>
-        </p:txBody>
-      </p:sp>
-      <p:cxnSp>
-        <p:nvCxnSpPr>
-          <p:cNvPr id="106" name="Straight Arrow Connector 105"/>
-          <p:cNvCxnSpPr/>
-          <p:nvPr/>
-        </p:nvCxnSpPr>
-        <p:spPr>
-          <a:xfrm>
-            <a:off x="3675406" y="2501157"/>
-            <a:ext cx="685168" cy="0"/>
-          </a:xfrm>
-          <a:prstGeom prst="straightConnector1">
-            <a:avLst/>
-          </a:prstGeom>
-          <a:ln w="6350" cmpd="sng">
-            <a:solidFill>
-              <a:schemeClr val="tx1"/>
-            </a:solidFill>
-            <a:headEnd type="triangle" w="sm" len="sm"/>
-            <a:tailEnd type="triangle" w="sm" len="sm"/>
-          </a:ln>
-          <a:effectLst/>
-        </p:spPr>
-        <p:style>
-          <a:lnRef idx="2">
-            <a:schemeClr val="accent1"/>
-          </a:lnRef>
-          <a:fillRef idx="0">
-            <a:schemeClr val="accent1"/>
-          </a:fillRef>
-          <a:effectRef idx="1">
-            <a:schemeClr val="accent1"/>
-          </a:effectRef>
-          <a:fontRef idx="minor">
-            <a:schemeClr val="tx1"/>
-          </a:fontRef>
-        </p:style>
-      </p:cxnSp>
-      <p:sp>
-        <p:nvSpPr>
-          <p:cNvPr id="108" name="TextBox 107"/>
-          <p:cNvSpPr txBox="1"/>
-          <p:nvPr/>
-        </p:nvSpPr>
-        <p:spPr>
-          <a:xfrm>
-            <a:off x="1469433" y="3218206"/>
-            <a:ext cx="403237" cy="492444"/>
-          </a:xfrm>
-          <a:prstGeom prst="rect">
-            <a:avLst/>
-          </a:prstGeom>
-          <a:noFill/>
-        </p:spPr>
-        <p:txBody>
-          <a:bodyPr wrap="square" lIns="0" tIns="0" rIns="0" bIns="0" rtlCol="0">
-            <a:spAutoFit/>
-          </a:bodyPr>
-          <a:lstStyle/>
-          <a:p>
-            <a:r>
-              <a:rPr lang="en-US" sz="1600" dirty="0" smtClean="0"/>
-              <a:t>k</a:t>
-            </a:r>
-            <a:r>
-              <a:rPr lang="en-US" sz="1600" baseline="-25000" dirty="0" smtClean="0"/>
-              <a:t>13D</a:t>
-            </a:r>
-            <a:endParaRPr lang="en-US" sz="1600" baseline="-25000" dirty="0"/>
-          </a:p>
-          <a:p>
-            <a:r>
-              <a:rPr lang="en-US" sz="1600" dirty="0" smtClean="0"/>
-              <a:t>k</a:t>
-            </a:r>
-            <a:r>
-              <a:rPr lang="en-US" sz="1600" baseline="-25000" dirty="0" smtClean="0"/>
-              <a:t>31D</a:t>
-            </a:r>
-            <a:endParaRPr lang="en-US" sz="1600" baseline="-25000" dirty="0"/>
-          </a:p>
-        </p:txBody>
-      </p:sp>
-      <p:sp>
-        <p:nvSpPr>
-          <p:cNvPr id="110" name="TextBox 109"/>
-          <p:cNvSpPr txBox="1"/>
-          <p:nvPr/>
-        </p:nvSpPr>
-        <p:spPr>
-          <a:xfrm>
-            <a:off x="2890055" y="3135681"/>
-            <a:ext cx="403237" cy="492444"/>
-          </a:xfrm>
-          <a:prstGeom prst="rect">
-            <a:avLst/>
-          </a:prstGeom>
-          <a:noFill/>
-        </p:spPr>
-        <p:txBody>
-          <a:bodyPr wrap="square" lIns="0" tIns="0" rIns="0" bIns="0" rtlCol="0">
-            <a:spAutoFit/>
-          </a:bodyPr>
-          <a:lstStyle/>
-          <a:p>
-            <a:r>
-              <a:rPr lang="en-US" sz="1600" dirty="0" smtClean="0"/>
-              <a:t>k</a:t>
-            </a:r>
-            <a:r>
-              <a:rPr lang="en-US" sz="1600" baseline="-25000" dirty="0" smtClean="0"/>
-              <a:t>13S</a:t>
-            </a:r>
-            <a:endParaRPr lang="en-US" sz="1600" baseline="-25000" dirty="0"/>
-          </a:p>
-          <a:p>
-            <a:r>
-              <a:rPr lang="en-US" sz="1600" dirty="0" smtClean="0"/>
-              <a:t>k</a:t>
-            </a:r>
-            <a:r>
-              <a:rPr lang="en-US" sz="1600" baseline="-25000" dirty="0" smtClean="0"/>
-              <a:t>31S</a:t>
-            </a:r>
-            <a:endParaRPr lang="en-US" sz="1600" baseline="-25000" dirty="0"/>
-          </a:p>
-        </p:txBody>
-      </p:sp>
-      <p:sp>
-        <p:nvSpPr>
-          <p:cNvPr id="112" name="TextBox 111"/>
-          <p:cNvSpPr txBox="1"/>
-          <p:nvPr/>
-        </p:nvSpPr>
-        <p:spPr>
-          <a:xfrm>
-            <a:off x="4414717" y="3128927"/>
-            <a:ext cx="473056" cy="492444"/>
-          </a:xfrm>
-          <a:prstGeom prst="rect">
-            <a:avLst/>
-          </a:prstGeom>
-          <a:noFill/>
-        </p:spPr>
-        <p:txBody>
-          <a:bodyPr wrap="square" lIns="0" tIns="0" rIns="0" bIns="0" rtlCol="0">
-            <a:spAutoFit/>
-          </a:bodyPr>
-          <a:lstStyle/>
-          <a:p>
-            <a:r>
-              <a:rPr lang="en-US" sz="1600" dirty="0" smtClean="0"/>
-              <a:t>k</a:t>
-            </a:r>
-            <a:r>
-              <a:rPr lang="en-US" sz="1600" baseline="-25000" dirty="0" smtClean="0"/>
-              <a:t>13DS</a:t>
-            </a:r>
-            <a:endParaRPr lang="en-US" sz="1600" baseline="-25000" dirty="0"/>
-          </a:p>
-          <a:p>
-            <a:r>
-              <a:rPr lang="en-US" sz="1600" dirty="0" smtClean="0"/>
-              <a:t>k</a:t>
-            </a:r>
-            <a:r>
-              <a:rPr lang="en-US" sz="1600" baseline="-25000" dirty="0" smtClean="0"/>
-              <a:t>31DS</a:t>
-            </a:r>
-            <a:endParaRPr lang="en-US" sz="1600" baseline="-25000" dirty="0"/>
-          </a:p>
-        </p:txBody>
-      </p:sp>
-      <p:sp>
-        <p:nvSpPr>
-          <p:cNvPr id="113" name="TextBox 112"/>
-          <p:cNvSpPr txBox="1"/>
-          <p:nvPr/>
-        </p:nvSpPr>
-        <p:spPr>
-          <a:xfrm>
-            <a:off x="5265637" y="2880161"/>
-            <a:ext cx="657532" cy="246221"/>
-          </a:xfrm>
-          <a:prstGeom prst="rect">
-            <a:avLst/>
-          </a:prstGeom>
-          <a:noFill/>
-        </p:spPr>
-        <p:txBody>
-          <a:bodyPr wrap="square" lIns="0" tIns="0" rIns="0" bIns="0" rtlCol="0">
-            <a:spAutoFit/>
-          </a:bodyPr>
-          <a:lstStyle/>
-          <a:p>
-            <a:r>
-              <a:rPr lang="en-US" sz="1600" dirty="0" smtClean="0"/>
-              <a:t>k</a:t>
-            </a:r>
-            <a:r>
-              <a:rPr lang="en-US" sz="1600" baseline="-25000" dirty="0" smtClean="0"/>
-              <a:t>eDS3</a:t>
-            </a:r>
-            <a:endParaRPr lang="en-US" sz="1600" baseline="-25000" dirty="0"/>
-          </a:p>
-        </p:txBody>
-      </p:sp>
-      <p:sp>
-        <p:nvSpPr>
-          <p:cNvPr id="114" name="TextBox 113"/>
-          <p:cNvSpPr txBox="1"/>
-          <p:nvPr/>
-        </p:nvSpPr>
-        <p:spPr>
-          <a:xfrm>
-            <a:off x="58526" y="1452748"/>
-            <a:ext cx="1837141" cy="646330"/>
-          </a:xfrm>
-          <a:prstGeom prst="rect">
-            <a:avLst/>
-          </a:prstGeom>
-          <a:noFill/>
-        </p:spPr>
-        <p:txBody>
-          <a:bodyPr wrap="square" rtlCol="0">
-            <a:spAutoFit/>
-          </a:bodyPr>
-          <a:lstStyle/>
-          <a:p>
-            <a:r>
-              <a:rPr lang="en-US" sz="1800" i="1" u="sng" dirty="0" smtClean="0"/>
-              <a:t>Target</a:t>
-            </a:r>
-          </a:p>
-          <a:p>
-            <a:r>
-              <a:rPr lang="en-US" sz="1800" i="1" u="sng" dirty="0" smtClean="0"/>
-              <a:t>Tissue</a:t>
-            </a:r>
-            <a:r>
-              <a:rPr lang="en-US" sz="1800" i="1" dirty="0" smtClean="0"/>
-              <a:t> (3)</a:t>
-            </a:r>
-            <a:endParaRPr lang="en-US" sz="1800" i="1" dirty="0"/>
-          </a:p>
-        </p:txBody>
-      </p:sp>
-      <p:sp>
-        <p:nvSpPr>
-          <p:cNvPr id="115" name="TextBox 114"/>
-          <p:cNvSpPr txBox="1"/>
-          <p:nvPr/>
-        </p:nvSpPr>
-        <p:spPr>
-          <a:xfrm>
-            <a:off x="44448" y="6708887"/>
-            <a:ext cx="2057528" cy="369331"/>
-          </a:xfrm>
-          <a:prstGeom prst="rect">
-            <a:avLst/>
-          </a:prstGeom>
-          <a:noFill/>
-        </p:spPr>
-        <p:txBody>
-          <a:bodyPr wrap="square" rtlCol="0">
-            <a:spAutoFit/>
-          </a:bodyPr>
-          <a:lstStyle/>
-          <a:p>
-            <a:r>
-              <a:rPr lang="en-US" sz="1800" i="1" u="sng" dirty="0" smtClean="0"/>
-              <a:t>Peripheral</a:t>
-            </a:r>
-            <a:r>
-              <a:rPr lang="en-US" sz="1800" i="1" dirty="0" smtClean="0"/>
-              <a:t> (2)</a:t>
-            </a:r>
-          </a:p>
-        </p:txBody>
-      </p:sp>
-      <p:sp>
-        <p:nvSpPr>
-          <p:cNvPr id="116" name="TextBox 115"/>
-          <p:cNvSpPr txBox="1"/>
-          <p:nvPr/>
-        </p:nvSpPr>
-        <p:spPr>
-          <a:xfrm>
-            <a:off x="67873" y="4219317"/>
-            <a:ext cx="1744097" cy="369331"/>
-          </a:xfrm>
-          <a:prstGeom prst="rect">
-            <a:avLst/>
-          </a:prstGeom>
-          <a:noFill/>
-        </p:spPr>
-        <p:txBody>
-          <a:bodyPr wrap="square" rtlCol="0">
-            <a:spAutoFit/>
-          </a:bodyPr>
-          <a:lstStyle/>
-          <a:p>
-            <a:r>
-              <a:rPr lang="en-US" sz="1800" i="1" u="sng" dirty="0" smtClean="0"/>
-              <a:t>Central</a:t>
-            </a:r>
-            <a:r>
-              <a:rPr lang="en-US" sz="1800" i="1" dirty="0" smtClean="0"/>
-              <a:t> (1)</a:t>
-            </a:r>
-            <a:endParaRPr lang="en-US" sz="1800" i="1" dirty="0"/>
-          </a:p>
-        </p:txBody>
-      </p:sp>
-      <p:sp>
-        <p:nvSpPr>
-          <p:cNvPr id="117" name="TextBox 116"/>
-          <p:cNvSpPr txBox="1"/>
-          <p:nvPr/>
-        </p:nvSpPr>
-        <p:spPr>
-          <a:xfrm>
-            <a:off x="2380594" y="5200278"/>
-            <a:ext cx="319583" cy="615552"/>
-          </a:xfrm>
-          <a:prstGeom prst="rect">
-            <a:avLst/>
-          </a:prstGeom>
-          <a:noFill/>
-        </p:spPr>
-        <p:txBody>
-          <a:bodyPr wrap="square" lIns="0" tIns="0" rIns="0" bIns="0" rtlCol="0" anchor="ctr">
-            <a:spAutoFit/>
-          </a:bodyPr>
-          <a:lstStyle/>
-          <a:p>
-            <a:r>
-              <a:rPr lang="en-US" sz="4000" dirty="0"/>
-              <a:t>+</a:t>
-            </a:r>
-          </a:p>
-        </p:txBody>
-      </p:sp>
-      <p:sp>
-        <p:nvSpPr>
-          <p:cNvPr id="118" name="Rectangle 117"/>
-          <p:cNvSpPr/>
-          <p:nvPr/>
-        </p:nvSpPr>
-        <p:spPr>
-          <a:xfrm>
-            <a:off x="2843597" y="5455840"/>
-            <a:ext cx="747596" cy="747596"/>
-          </a:xfrm>
-          <a:prstGeom prst="rect">
-            <a:avLst/>
-          </a:prstGeom>
-          <a:solidFill>
-            <a:schemeClr val="bg1">
-              <a:lumMod val="75000"/>
-            </a:schemeClr>
-          </a:solidFill>
-          <a:ln w="12700" cmpd="sng">
-            <a:noFill/>
-          </a:ln>
-          <a:effectLst/>
-        </p:spPr>
-        <p:style>
-          <a:lnRef idx="2">
-            <a:schemeClr val="accent1"/>
-          </a:lnRef>
-          <a:fillRef idx="0">
-            <a:schemeClr val="accent1"/>
-          </a:fillRef>
-          <a:effectRef idx="1">
-            <a:schemeClr val="accent1"/>
-          </a:effectRef>
-          <a:fontRef idx="minor">
-            <a:schemeClr val="tx1"/>
-          </a:fontRef>
-        </p:style>
-        <p:txBody>
           <a:bodyPr lIns="0" tIns="0" rIns="0" bIns="0" rtlCol="0" anchor="ctr"/>
           <a:lstStyle/>
           <a:p>
@@ -4550,8 +4591,9 @@
             <a:avLst/>
           </a:prstGeom>
           <a:solidFill>
-            <a:schemeClr val="bg1">
-              <a:lumMod val="75000"/>
+            <a:schemeClr val="accent1">
+              <a:lumMod val="60000"/>
+              <a:lumOff val="40000"/>
             </a:schemeClr>
           </a:solidFill>
           <a:ln w="12700" cmpd="sng">
@@ -5524,8 +5566,9 @@
             <a:avLst/>
           </a:prstGeom>
           <a:solidFill>
-            <a:schemeClr val="bg1">
-              <a:lumMod val="75000"/>
+            <a:schemeClr val="accent2">
+              <a:lumMod val="60000"/>
+              <a:lumOff val="40000"/>
             </a:schemeClr>
           </a:solidFill>
           <a:ln w="12700" cmpd="sng">
@@ -5579,8 +5622,9 @@
             <a:avLst/>
           </a:prstGeom>
           <a:solidFill>
-            <a:schemeClr val="bg1">
-              <a:lumMod val="75000"/>
+            <a:schemeClr val="accent2">
+              <a:lumMod val="60000"/>
+              <a:lumOff val="40000"/>
             </a:schemeClr>
           </a:solidFill>
           <a:ln w="12700" cmpd="sng">
